--- a/INFO 450 - Data Science Project.pptx
+++ b/INFO 450 - Data Science Project.pptx
@@ -6826,7 +6826,7 @@
             </a:pPr>
             <a:r>
               <a:rPr lang="en"/>
-              <a:t>If you are a game developer based in Japan, be cautious creating games exclusive to Xbox</a:t>
+              <a:t>Game devs should look into making Action, Shooter, or Sports games</a:t>
             </a:r>
             <a:endParaRPr/>
           </a:p>
@@ -6842,7 +6842,42 @@
               <a:buChar char="-"/>
             </a:pPr>
             <a:r>
-              <a:t/>
+              <a:rPr lang="en"/>
+              <a:t>US and EU make a majority of global sales so those markets would be beneficial to appeal to</a:t>
+            </a:r>
+            <a:endParaRPr/>
+          </a:p>
+          <a:p>
+            <a:pPr indent="-342900" lvl="0" marL="457200" rtl="0" algn="l">
+              <a:spcBef>
+                <a:spcPts val="0"/>
+              </a:spcBef>
+              <a:spcAft>
+                <a:spcPts val="0"/>
+              </a:spcAft>
+              <a:buSzPts val="1800"/>
+              <a:buChar char="-"/>
+            </a:pPr>
+            <a:r>
+              <a:rPr lang="en"/>
+              <a:t>If trying to appeal to JP region, try to incorporate RPG elements due to the preferred genre there</a:t>
+            </a:r>
+            <a:endParaRPr/>
+          </a:p>
+          <a:p>
+            <a:pPr indent="-342900" lvl="0" marL="457200" rtl="0" algn="l">
+              <a:spcBef>
+                <a:spcPts val="0"/>
+              </a:spcBef>
+              <a:spcAft>
+                <a:spcPts val="0"/>
+              </a:spcAft>
+              <a:buSzPts val="1800"/>
+              <a:buChar char="-"/>
+            </a:pPr>
+            <a:r>
+              <a:rPr lang="en"/>
+              <a:t>Don’t market Xbox only games in JP</a:t>
             </a:r>
             <a:endParaRPr/>
           </a:p>
